--- a/Die Wheatstonsche Messbrücke.pptx
+++ b/Die Wheatstonsche Messbrücke.pptx
@@ -9,8 +9,11 @@
     <p:sldId id="257" r:id="rId3"/>
     <p:sldId id="258" r:id="rId4"/>
     <p:sldId id="259" r:id="rId5"/>
-    <p:sldId id="260" r:id="rId6"/>
-    <p:sldId id="261" r:id="rId7"/>
+    <p:sldId id="262" r:id="rId6"/>
+    <p:sldId id="263" r:id="rId7"/>
+    <p:sldId id="260" r:id="rId8"/>
+    <p:sldId id="261" r:id="rId9"/>
+    <p:sldId id="264" r:id="rId10"/>
   </p:sldIdLst>
   <p:sldSz cx="9144000" cy="6858000" type="screen4x3"/>
   <p:notesSz cx="6858000" cy="9144000"/>
@@ -109,6 +112,22 @@
       </a:defRPr>
     </a:lvl9pPr>
   </p:defaultTextStyle>
+  <p:extLst>
+    <p:ext uri="{EFAFB233-063F-42B5-8137-9DF3F51BA10A}">
+      <p15:sldGuideLst xmlns:p15="http://schemas.microsoft.com/office/powerpoint/2012/main">
+        <p15:guide id="1" orient="horz" pos="2160">
+          <p15:clr>
+            <a:srgbClr val="A4A3A4"/>
+          </p15:clr>
+        </p15:guide>
+        <p15:guide id="2" pos="2880">
+          <p15:clr>
+            <a:srgbClr val="A4A3A4"/>
+          </p15:clr>
+        </p15:guide>
+      </p15:sldGuideLst>
+    </p:ext>
+  </p:extLst>
 </p:presentation>
 </file>
 
@@ -294,7 +313,7 @@
             <a:fld id="{122C74E7-B6AF-4735-B39B-F7EF66C7EC5E}" type="datetimeFigureOut">
               <a:rPr lang="de-DE" smtClean="0"/>
               <a:pPr/>
-              <a:t>12.06.2018</a:t>
+              <a:t>14.06.2018</a:t>
             </a:fld>
             <a:endParaRPr lang="de-DE"/>
           </a:p>
@@ -346,7 +365,7 @@
     </p:spTree>
     <p:extLst>
       <p:ext uri="{BB962C8B-B14F-4D97-AF65-F5344CB8AC3E}">
-        <p14:creationId xmlns:p14="http://schemas.microsoft.com/office/powerpoint/2010/main" xmlns="" val="763192464"/>
+        <p14:creationId xmlns:p14="http://schemas.microsoft.com/office/powerpoint/2010/main" val="763192464"/>
       </p:ext>
     </p:extLst>
   </p:cSld>
@@ -466,7 +485,7 @@
             <a:fld id="{122C74E7-B6AF-4735-B39B-F7EF66C7EC5E}" type="datetimeFigureOut">
               <a:rPr lang="de-DE" smtClean="0"/>
               <a:pPr/>
-              <a:t>12.06.2018</a:t>
+              <a:t>14.06.2018</a:t>
             </a:fld>
             <a:endParaRPr lang="de-DE"/>
           </a:p>
@@ -518,7 +537,7 @@
     </p:spTree>
     <p:extLst>
       <p:ext uri="{BB962C8B-B14F-4D97-AF65-F5344CB8AC3E}">
-        <p14:creationId xmlns:p14="http://schemas.microsoft.com/office/powerpoint/2010/main" xmlns="" val="1542939213"/>
+        <p14:creationId xmlns:p14="http://schemas.microsoft.com/office/powerpoint/2010/main" val="1542939213"/>
       </p:ext>
     </p:extLst>
   </p:cSld>
@@ -648,7 +667,7 @@
             <a:fld id="{122C74E7-B6AF-4735-B39B-F7EF66C7EC5E}" type="datetimeFigureOut">
               <a:rPr lang="de-DE" smtClean="0"/>
               <a:pPr/>
-              <a:t>12.06.2018</a:t>
+              <a:t>14.06.2018</a:t>
             </a:fld>
             <a:endParaRPr lang="de-DE"/>
           </a:p>
@@ -700,7 +719,7 @@
     </p:spTree>
     <p:extLst>
       <p:ext uri="{BB962C8B-B14F-4D97-AF65-F5344CB8AC3E}">
-        <p14:creationId xmlns:p14="http://schemas.microsoft.com/office/powerpoint/2010/main" xmlns="" val="1784619364"/>
+        <p14:creationId xmlns:p14="http://schemas.microsoft.com/office/powerpoint/2010/main" val="1784619364"/>
       </p:ext>
     </p:extLst>
   </p:cSld>
@@ -820,7 +839,7 @@
             <a:fld id="{122C74E7-B6AF-4735-B39B-F7EF66C7EC5E}" type="datetimeFigureOut">
               <a:rPr lang="de-DE" smtClean="0"/>
               <a:pPr/>
-              <a:t>12.06.2018</a:t>
+              <a:t>14.06.2018</a:t>
             </a:fld>
             <a:endParaRPr lang="de-DE"/>
           </a:p>
@@ -872,7 +891,7 @@
     </p:spTree>
     <p:extLst>
       <p:ext uri="{BB962C8B-B14F-4D97-AF65-F5344CB8AC3E}">
-        <p14:creationId xmlns:p14="http://schemas.microsoft.com/office/powerpoint/2010/main" xmlns="" val="1666943070"/>
+        <p14:creationId xmlns:p14="http://schemas.microsoft.com/office/powerpoint/2010/main" val="1666943070"/>
       </p:ext>
     </p:extLst>
   </p:cSld>
@@ -1068,7 +1087,7 @@
             <a:fld id="{122C74E7-B6AF-4735-B39B-F7EF66C7EC5E}" type="datetimeFigureOut">
               <a:rPr lang="de-DE" smtClean="0"/>
               <a:pPr/>
-              <a:t>12.06.2018</a:t>
+              <a:t>14.06.2018</a:t>
             </a:fld>
             <a:endParaRPr lang="de-DE"/>
           </a:p>
@@ -1120,7 +1139,7 @@
     </p:spTree>
     <p:extLst>
       <p:ext uri="{BB962C8B-B14F-4D97-AF65-F5344CB8AC3E}">
-        <p14:creationId xmlns:p14="http://schemas.microsoft.com/office/powerpoint/2010/main" xmlns="" val="2575927454"/>
+        <p14:creationId xmlns:p14="http://schemas.microsoft.com/office/powerpoint/2010/main" val="2575927454"/>
       </p:ext>
     </p:extLst>
   </p:cSld>
@@ -1358,7 +1377,7 @@
             <a:fld id="{122C74E7-B6AF-4735-B39B-F7EF66C7EC5E}" type="datetimeFigureOut">
               <a:rPr lang="de-DE" smtClean="0"/>
               <a:pPr/>
-              <a:t>12.06.2018</a:t>
+              <a:t>14.06.2018</a:t>
             </a:fld>
             <a:endParaRPr lang="de-DE"/>
           </a:p>
@@ -1410,7 +1429,7 @@
     </p:spTree>
     <p:extLst>
       <p:ext uri="{BB962C8B-B14F-4D97-AF65-F5344CB8AC3E}">
-        <p14:creationId xmlns:p14="http://schemas.microsoft.com/office/powerpoint/2010/main" xmlns="" val="1690715723"/>
+        <p14:creationId xmlns:p14="http://schemas.microsoft.com/office/powerpoint/2010/main" val="1690715723"/>
       </p:ext>
     </p:extLst>
   </p:cSld>
@@ -1782,7 +1801,7 @@
             <a:fld id="{122C74E7-B6AF-4735-B39B-F7EF66C7EC5E}" type="datetimeFigureOut">
               <a:rPr lang="de-DE" smtClean="0"/>
               <a:pPr/>
-              <a:t>12.06.2018</a:t>
+              <a:t>14.06.2018</a:t>
             </a:fld>
             <a:endParaRPr lang="de-DE"/>
           </a:p>
@@ -1834,7 +1853,7 @@
     </p:spTree>
     <p:extLst>
       <p:ext uri="{BB962C8B-B14F-4D97-AF65-F5344CB8AC3E}">
-        <p14:creationId xmlns:p14="http://schemas.microsoft.com/office/powerpoint/2010/main" xmlns="" val="3732644932"/>
+        <p14:creationId xmlns:p14="http://schemas.microsoft.com/office/powerpoint/2010/main" val="3732644932"/>
       </p:ext>
     </p:extLst>
   </p:cSld>
@@ -1902,7 +1921,7 @@
             <a:fld id="{122C74E7-B6AF-4735-B39B-F7EF66C7EC5E}" type="datetimeFigureOut">
               <a:rPr lang="de-DE" smtClean="0"/>
               <a:pPr/>
-              <a:t>12.06.2018</a:t>
+              <a:t>14.06.2018</a:t>
             </a:fld>
             <a:endParaRPr lang="de-DE"/>
           </a:p>
@@ -1954,7 +1973,7 @@
     </p:spTree>
     <p:extLst>
       <p:ext uri="{BB962C8B-B14F-4D97-AF65-F5344CB8AC3E}">
-        <p14:creationId xmlns:p14="http://schemas.microsoft.com/office/powerpoint/2010/main" xmlns="" val="3355482843"/>
+        <p14:creationId xmlns:p14="http://schemas.microsoft.com/office/powerpoint/2010/main" val="3355482843"/>
       </p:ext>
     </p:extLst>
   </p:cSld>
@@ -1999,7 +2018,7 @@
             <a:fld id="{122C74E7-B6AF-4735-B39B-F7EF66C7EC5E}" type="datetimeFigureOut">
               <a:rPr lang="de-DE" smtClean="0"/>
               <a:pPr/>
-              <a:t>12.06.2018</a:t>
+              <a:t>14.06.2018</a:t>
             </a:fld>
             <a:endParaRPr lang="de-DE"/>
           </a:p>
@@ -2051,7 +2070,7 @@
     </p:spTree>
     <p:extLst>
       <p:ext uri="{BB962C8B-B14F-4D97-AF65-F5344CB8AC3E}">
-        <p14:creationId xmlns:p14="http://schemas.microsoft.com/office/powerpoint/2010/main" xmlns="" val="543698404"/>
+        <p14:creationId xmlns:p14="http://schemas.microsoft.com/office/powerpoint/2010/main" val="543698404"/>
       </p:ext>
     </p:extLst>
   </p:cSld>
@@ -2278,7 +2297,7 @@
             <a:fld id="{122C74E7-B6AF-4735-B39B-F7EF66C7EC5E}" type="datetimeFigureOut">
               <a:rPr lang="de-DE" smtClean="0"/>
               <a:pPr/>
-              <a:t>12.06.2018</a:t>
+              <a:t>14.06.2018</a:t>
             </a:fld>
             <a:endParaRPr lang="de-DE"/>
           </a:p>
@@ -2330,7 +2349,7 @@
     </p:spTree>
     <p:extLst>
       <p:ext uri="{BB962C8B-B14F-4D97-AF65-F5344CB8AC3E}">
-        <p14:creationId xmlns:p14="http://schemas.microsoft.com/office/powerpoint/2010/main" xmlns="" val="1177139487"/>
+        <p14:creationId xmlns:p14="http://schemas.microsoft.com/office/powerpoint/2010/main" val="1177139487"/>
       </p:ext>
     </p:extLst>
   </p:cSld>
@@ -2533,7 +2552,7 @@
             <a:fld id="{122C74E7-B6AF-4735-B39B-F7EF66C7EC5E}" type="datetimeFigureOut">
               <a:rPr lang="de-DE" smtClean="0"/>
               <a:pPr/>
-              <a:t>12.06.2018</a:t>
+              <a:t>14.06.2018</a:t>
             </a:fld>
             <a:endParaRPr lang="de-DE"/>
           </a:p>
@@ -2585,7 +2604,7 @@
     </p:spTree>
     <p:extLst>
       <p:ext uri="{BB962C8B-B14F-4D97-AF65-F5344CB8AC3E}">
-        <p14:creationId xmlns:p14="http://schemas.microsoft.com/office/powerpoint/2010/main" xmlns="" val="2226322533"/>
+        <p14:creationId xmlns:p14="http://schemas.microsoft.com/office/powerpoint/2010/main" val="2226322533"/>
       </p:ext>
     </p:extLst>
   </p:cSld>
@@ -2748,7 +2767,7 @@
             <a:fld id="{122C74E7-B6AF-4735-B39B-F7EF66C7EC5E}" type="datetimeFigureOut">
               <a:rPr lang="de-DE" smtClean="0"/>
               <a:pPr/>
-              <a:t>12.06.2018</a:t>
+              <a:t>14.06.2018</a:t>
             </a:fld>
             <a:endParaRPr lang="de-DE"/>
           </a:p>
@@ -2836,7 +2855,7 @@
     </p:spTree>
     <p:extLst>
       <p:ext uri="{BB962C8B-B14F-4D97-AF65-F5344CB8AC3E}">
-        <p14:creationId xmlns:p14="http://schemas.microsoft.com/office/powerpoint/2010/main" xmlns="" val="2707595432"/>
+        <p14:creationId xmlns:p14="http://schemas.microsoft.com/office/powerpoint/2010/main" val="2707595432"/>
       </p:ext>
     </p:extLst>
   </p:cSld>
@@ -3177,13 +3196,20 @@
     </p:spTree>
     <p:extLst>
       <p:ext uri="{BB962C8B-B14F-4D97-AF65-F5344CB8AC3E}">
-        <p14:creationId xmlns:p14="http://schemas.microsoft.com/office/powerpoint/2010/main" xmlns="" val="2311731001"/>
+        <p14:creationId xmlns:p14="http://schemas.microsoft.com/office/powerpoint/2010/main" val="2311731001"/>
       </p:ext>
     </p:extLst>
   </p:cSld>
   <p:clrMapOvr>
     <a:masterClrMapping/>
   </p:clrMapOvr>
+  <p:timing>
+    <p:tnLst>
+      <p:par>
+        <p:cTn id="1" dur="indefinite" restart="never" nodeType="tmRoot"/>
+      </p:par>
+    </p:tnLst>
+  </p:timing>
 </p:sld>
 </file>
 
@@ -3252,46 +3278,35 @@
           <a:p>
             <a:r>
               <a:rPr lang="de-DE" dirty="0" smtClean="0"/>
-              <a:t>Beschreibung</a:t>
-            </a:r>
-          </a:p>
-          <a:p>
+              <a:t>Aufbau und </a:t>
+            </a:r>
+            <a:r>
+              <a:rPr lang="de-DE" dirty="0"/>
+              <a:t>elektrotechnische Grundlagen</a:t>
+            </a:r>
+          </a:p>
+          <a:p>
+            <a:r>
+              <a:rPr lang="de-DE" dirty="0"/>
+              <a:t>Herleitung der </a:t>
+            </a:r>
             <a:r>
               <a:rPr lang="de-DE" dirty="0" smtClean="0"/>
-              <a:t>Grundaufbau der </a:t>
-            </a:r>
-            <a:r>
-              <a:rPr lang="de-DE" dirty="0" err="1" smtClean="0"/>
-              <a:t>Messbrücke</a:t>
-            </a:r>
-            <a:endParaRPr lang="de-DE" dirty="0" smtClean="0"/>
+              <a:t>Formel zur Berechnung der Brückenspannung</a:t>
+            </a:r>
           </a:p>
           <a:p>
             <a:r>
               <a:rPr lang="de-DE" dirty="0" smtClean="0"/>
-              <a:t>Elektrotechnische Grundlagen </a:t>
-            </a:r>
-            <a:endParaRPr lang="de-DE" dirty="0" smtClean="0"/>
-          </a:p>
-          <a:p>
+              <a:t>Ausschlagverfahren</a:t>
+            </a:r>
+            <a:r>
+              <a:rPr lang="de-DE" dirty="0"/>
+              <a:t> und</a:t>
+            </a:r>
             <a:r>
               <a:rPr lang="de-DE" dirty="0" smtClean="0"/>
-              <a:t>Abgleichverfahren </a:t>
-            </a:r>
-            <a:r>
-              <a:rPr lang="de-DE" smtClean="0"/>
-              <a:t>und Ausschlagverfahren</a:t>
-            </a:r>
-            <a:endParaRPr lang="de-DE" dirty="0" smtClean="0"/>
-          </a:p>
-          <a:p>
-            <a:r>
-              <a:rPr lang="de-DE" dirty="0" err="1" smtClean="0"/>
-              <a:t>Herleitung</a:t>
-            </a:r>
-            <a:r>
-              <a:rPr lang="de-DE" dirty="0" smtClean="0"/>
-              <a:t> der Formel</a:t>
+              <a:t> Abgleichverfahren</a:t>
             </a:r>
           </a:p>
           <a:p>
@@ -3301,6 +3316,10 @@
             </a:r>
           </a:p>
           <a:p>
+            <a:r>
+              <a:rPr lang="de-DE" dirty="0" smtClean="0"/>
+              <a:t>Programmvorstellung</a:t>
+            </a:r>
             <a:endParaRPr lang="de-DE" dirty="0"/>
           </a:p>
         </p:txBody>
@@ -3308,13 +3327,20 @@
     </p:spTree>
     <p:extLst>
       <p:ext uri="{BB962C8B-B14F-4D97-AF65-F5344CB8AC3E}">
-        <p14:creationId xmlns:p14="http://schemas.microsoft.com/office/powerpoint/2010/main" xmlns="" val="1116128438"/>
+        <p14:creationId xmlns:p14="http://schemas.microsoft.com/office/powerpoint/2010/main" val="1116128438"/>
       </p:ext>
     </p:extLst>
   </p:cSld>
   <p:clrMapOvr>
     <a:masterClrMapping/>
   </p:clrMapOvr>
+  <p:timing>
+    <p:tnLst>
+      <p:par>
+        <p:cTn id="1" dur="indefinite" restart="never" nodeType="tmRoot"/>
+      </p:par>
+    </p:tnLst>
+  </p:timing>
 </p:sld>
 </file>
 
@@ -3376,6 +3402,16 @@
           <a:lstStyle/>
           <a:p>
             <a:r>
+              <a:rPr lang="de-DE" dirty="0"/>
+              <a:t>Dient zur Messung von elektrischen Widerständen und kleinen </a:t>
+            </a:r>
+            <a:r>
+              <a:rPr lang="de-DE" dirty="0" smtClean="0"/>
+              <a:t>Widerstandsveränderungen</a:t>
+            </a:r>
+          </a:p>
+          <a:p>
+            <a:r>
               <a:rPr lang="de-DE" dirty="0" smtClean="0"/>
               <a:t>Wurde 1822 von Samuel Hunter Christie erfunden</a:t>
             </a:r>
@@ -3384,12 +3420,6 @@
             <a:r>
               <a:rPr lang="de-DE" dirty="0" smtClean="0"/>
               <a:t>Ist benannt nach Charles Wheatstone</a:t>
-            </a:r>
-          </a:p>
-          <a:p>
-            <a:r>
-              <a:rPr lang="de-DE" dirty="0" smtClean="0"/>
-              <a:t>Dient zur Messung von elektrischen Widerständen und kleinen Widerstandsveränderungen</a:t>
             </a:r>
           </a:p>
           <a:p>
@@ -3410,13 +3440,20 @@
     </p:spTree>
     <p:extLst>
       <p:ext uri="{BB962C8B-B14F-4D97-AF65-F5344CB8AC3E}">
-        <p14:creationId xmlns:p14="http://schemas.microsoft.com/office/powerpoint/2010/main" xmlns="" val="2521914354"/>
+        <p14:creationId xmlns:p14="http://schemas.microsoft.com/office/powerpoint/2010/main" val="2521914354"/>
       </p:ext>
     </p:extLst>
   </p:cSld>
   <p:clrMapOvr>
     <a:masterClrMapping/>
   </p:clrMapOvr>
+  <p:timing>
+    <p:tnLst>
+      <p:par>
+        <p:cTn id="1" dur="indefinite" restart="never" nodeType="tmRoot"/>
+      </p:par>
+    </p:tnLst>
+  </p:timing>
 </p:sld>
 </file>
 
@@ -3454,63 +3491,58 @@
           <a:p>
             <a:r>
               <a:rPr lang="de-DE" dirty="0" smtClean="0"/>
-              <a:t>Beschreibung</a:t>
+              <a:t>Aufbau</a:t>
             </a:r>
             <a:endParaRPr lang="de-DE" dirty="0"/>
           </a:p>
         </p:txBody>
       </p:sp>
-      <p:sp>
-        <p:nvSpPr>
-          <p:cNvPr id="3" name="Inhaltsplatzhalter 2"/>
-          <p:cNvSpPr>
-            <a:spLocks noGrp="1"/>
-          </p:cNvSpPr>
+      <p:pic>
+        <p:nvPicPr>
+          <p:cNvPr id="6" name="Inhaltsplatzhalter 5"/>
+          <p:cNvPicPr>
+            <a:picLocks noGrp="1" noChangeAspect="1"/>
+          </p:cNvPicPr>
           <p:nvPr>
             <p:ph idx="1"/>
           </p:nvPr>
-        </p:nvSpPr>
-        <p:spPr/>
-        <p:txBody>
-          <a:bodyPr/>
-          <a:lstStyle/>
-          <a:p>
-            <a:r>
-              <a:rPr lang="de-DE" dirty="0" smtClean="0"/>
-              <a:t>Zwei Widerstände bilden einen Spannungsteiler</a:t>
-            </a:r>
-          </a:p>
-          <a:p>
-            <a:r>
-              <a:rPr lang="de-DE" dirty="0" smtClean="0"/>
-              <a:t>Zwei Spannungsteiler liegen parallel zueinander</a:t>
-            </a:r>
-          </a:p>
-          <a:p>
-            <a:r>
-              <a:rPr lang="de-DE" dirty="0" smtClean="0"/>
-              <a:t>Zwischen den Spannungsteilern wir das Messgeräte geschaltet</a:t>
-            </a:r>
-          </a:p>
-          <a:p>
-            <a:r>
-              <a:rPr lang="de-DE" dirty="0" smtClean="0"/>
-              <a:t>Die Spannung zwischen den Spannungsteiler wird Brückenspannung genannt</a:t>
-            </a:r>
-            <a:endParaRPr lang="de-DE" dirty="0"/>
-          </a:p>
-        </p:txBody>
-      </p:sp>
+        </p:nvPicPr>
+        <p:blipFill>
+          <a:blip r:embed="rId2">
+            <a:extLst>
+              <a:ext uri="{28A0092B-C50C-407E-A947-70E740481C1C}">
+                <a14:useLocalDpi xmlns:a14="http://schemas.microsoft.com/office/drawing/2010/main" val="0"/>
+              </a:ext>
+            </a:extLst>
+          </a:blip>
+          <a:stretch>
+            <a:fillRect/>
+          </a:stretch>
+        </p:blipFill>
+        <p:spPr>
+          <a:xfrm>
+            <a:off x="1439846" y="1417638"/>
+            <a:ext cx="6264308" cy="4525963"/>
+          </a:xfrm>
+        </p:spPr>
+      </p:pic>
     </p:spTree>
     <p:extLst>
       <p:ext uri="{BB962C8B-B14F-4D97-AF65-F5344CB8AC3E}">
-        <p14:creationId xmlns:p14="http://schemas.microsoft.com/office/powerpoint/2010/main" xmlns="" val="489384497"/>
+        <p14:creationId xmlns:p14="http://schemas.microsoft.com/office/powerpoint/2010/main" val="489384497"/>
       </p:ext>
     </p:extLst>
   </p:cSld>
   <p:clrMapOvr>
     <a:masterClrMapping/>
   </p:clrMapOvr>
+  <p:timing>
+    <p:tnLst>
+      <p:par>
+        <p:cTn id="1" dur="indefinite" restart="never" nodeType="tmRoot"/>
+      </p:par>
+    </p:tnLst>
+  </p:timing>
 </p:sld>
 </file>
 
@@ -3543,92 +3575,64 @@
         </p:nvSpPr>
         <p:spPr/>
         <p:txBody>
-          <a:bodyPr/>
-          <a:lstStyle/>
-          <a:p>
-            <a:r>
-              <a:rPr lang="de-DE" dirty="0" smtClean="0"/>
-              <a:t>Grundlagen</a:t>
-            </a:r>
-            <a:endParaRPr lang="de-DE" dirty="0"/>
-          </a:p>
-        </p:txBody>
-      </p:sp>
-      <p:sp>
-        <p:nvSpPr>
-          <p:cNvPr id="3" name="Inhaltsplatzhalter 2"/>
-          <p:cNvSpPr>
-            <a:spLocks noGrp="1"/>
-          </p:cNvSpPr>
+          <a:bodyPr>
+            <a:normAutofit fontScale="90000"/>
+          </a:bodyPr>
+          <a:lstStyle/>
+          <a:p>
+            <a:r>
+              <a:rPr lang="de-DE" dirty="0"/>
+              <a:t>Herleitung der Formel zur Berechnung der Brückenspannung</a:t>
+            </a:r>
+          </a:p>
+        </p:txBody>
+      </p:sp>
+      <p:pic>
+        <p:nvPicPr>
+          <p:cNvPr id="4" name="Inhaltsplatzhalter 3"/>
+          <p:cNvPicPr>
+            <a:picLocks noGrp="1" noChangeAspect="1"/>
+          </p:cNvPicPr>
           <p:nvPr>
             <p:ph idx="1"/>
           </p:nvPr>
-        </p:nvSpPr>
-        <p:spPr/>
-        <p:txBody>
-          <a:bodyPr/>
-          <a:lstStyle/>
-          <a:p>
-            <a:r>
-              <a:rPr lang="de-DE" dirty="0" smtClean="0"/>
-              <a:t>Zur </a:t>
-            </a:r>
-            <a:r>
-              <a:rPr lang="de-DE" dirty="0" err="1"/>
-              <a:t>B</a:t>
-            </a:r>
-            <a:r>
-              <a:rPr lang="de-DE" dirty="0" err="1" smtClean="0"/>
-              <a:t>rechnung</a:t>
-            </a:r>
-            <a:r>
-              <a:rPr lang="de-DE" dirty="0" smtClean="0"/>
-              <a:t> benötigt man 3 bekannte widerstände</a:t>
-            </a:r>
-          </a:p>
-          <a:p>
-            <a:r>
-              <a:rPr lang="de-DE" dirty="0" smtClean="0"/>
-              <a:t>Diese werden so lange variiert bis die brücken </a:t>
-            </a:r>
-            <a:r>
-              <a:rPr lang="de-DE" dirty="0" err="1" smtClean="0"/>
-              <a:t>spannung</a:t>
-            </a:r>
-            <a:r>
-              <a:rPr lang="de-DE" dirty="0" smtClean="0"/>
-              <a:t> null beträgt</a:t>
-            </a:r>
-          </a:p>
-          <a:p>
-            <a:r>
-              <a:rPr lang="de-DE" dirty="0" smtClean="0"/>
-              <a:t>Anschließend lässt sich der unbekannte </a:t>
-            </a:r>
-            <a:r>
-              <a:rPr lang="de-DE" smtClean="0"/>
-              <a:t>Widerstand errechnen</a:t>
-            </a:r>
-          </a:p>
-          <a:p>
-            <a:r>
-              <a:rPr lang="de-DE" smtClean="0"/>
-              <a:t> </a:t>
-            </a:r>
-            <a:endParaRPr lang="de-DE" dirty="0"/>
-          </a:p>
-        </p:txBody>
-      </p:sp>
+        </p:nvPicPr>
+        <p:blipFill>
+          <a:blip r:embed="rId2">
+            <a:extLst>
+              <a:ext uri="{28A0092B-C50C-407E-A947-70E740481C1C}">
+                <a14:useLocalDpi xmlns:a14="http://schemas.microsoft.com/office/drawing/2010/main" val="0"/>
+              </a:ext>
+            </a:extLst>
+          </a:blip>
+          <a:stretch>
+            <a:fillRect/>
+          </a:stretch>
+        </p:blipFill>
+        <p:spPr>
+          <a:xfrm>
+            <a:off x="448056" y="2708920"/>
+            <a:ext cx="8229600" cy="1366845"/>
+          </a:xfrm>
+        </p:spPr>
+      </p:pic>
     </p:spTree>
     <p:extLst>
       <p:ext uri="{BB962C8B-B14F-4D97-AF65-F5344CB8AC3E}">
-        <p14:creationId xmlns:p14="http://schemas.microsoft.com/office/powerpoint/2010/main" xmlns="" val="4161512028"/>
+        <p14:creationId xmlns:p14="http://schemas.microsoft.com/office/powerpoint/2010/main" val="647294059"/>
       </p:ext>
     </p:extLst>
   </p:cSld>
   <p:clrMapOvr>
     <a:masterClrMapping/>
   </p:clrMapOvr>
+  <p:timing>
+    <p:tnLst>
+      <p:par>
+        <p:cTn id="1" dur="indefinite" restart="never" nodeType="tmRoot"/>
+      </p:par>
+    </p:tnLst>
+  </p:timing>
 </p:sld>
 </file>
 
@@ -3664,6 +3668,10 @@
           <a:bodyPr/>
           <a:lstStyle/>
           <a:p>
+            <a:r>
+              <a:rPr lang="en-GB" dirty="0" err="1" smtClean="0"/>
+              <a:t>Ausschlagverfahren</a:t>
+            </a:r>
             <a:endParaRPr lang="de-DE" dirty="0"/>
           </a:p>
         </p:txBody>
@@ -3680,18 +3688,567 @@
         </p:nvSpPr>
         <p:spPr/>
         <p:txBody>
-          <a:bodyPr/>
-          <a:lstStyle/>
+          <a:bodyPr>
+            <a:normAutofit lnSpcReduction="10000"/>
+          </a:bodyPr>
+          <a:lstStyle/>
+          <a:p>
+            <a:r>
+              <a:rPr lang="en-GB" dirty="0" err="1" smtClean="0"/>
+              <a:t>Aufnahme</a:t>
+            </a:r>
+            <a:r>
+              <a:rPr lang="en-GB" dirty="0" smtClean="0"/>
+              <a:t> </a:t>
+            </a:r>
+            <a:r>
+              <a:rPr lang="en-GB" dirty="0" err="1" smtClean="0"/>
+              <a:t>kleiner</a:t>
+            </a:r>
+            <a:r>
+              <a:rPr lang="en-GB" dirty="0" smtClean="0"/>
+              <a:t> </a:t>
+            </a:r>
+            <a:r>
+              <a:rPr lang="en-GB" dirty="0" err="1" smtClean="0"/>
+              <a:t>Widerstandsänderungen</a:t>
+            </a:r>
+            <a:r>
+              <a:rPr lang="en-GB" dirty="0" smtClean="0"/>
+              <a:t> </a:t>
+            </a:r>
+            <a:r>
+              <a:rPr lang="en-GB" dirty="0" err="1" smtClean="0"/>
+              <a:t>aus</a:t>
+            </a:r>
+            <a:r>
+              <a:rPr lang="en-GB" dirty="0" smtClean="0"/>
+              <a:t> </a:t>
+            </a:r>
+            <a:r>
+              <a:rPr lang="en-GB" dirty="0" err="1" smtClean="0"/>
+              <a:t>dem</a:t>
+            </a:r>
+            <a:r>
+              <a:rPr lang="en-GB" dirty="0" smtClean="0"/>
+              <a:t> </a:t>
+            </a:r>
+            <a:r>
+              <a:rPr lang="en-GB" dirty="0" err="1" smtClean="0"/>
+              <a:t>abgeglichenen</a:t>
+            </a:r>
+            <a:r>
+              <a:rPr lang="en-GB" dirty="0" smtClean="0"/>
+              <a:t> </a:t>
+            </a:r>
+            <a:r>
+              <a:rPr lang="en-GB" dirty="0" err="1" smtClean="0"/>
+              <a:t>Zustand</a:t>
+            </a:r>
+            <a:r>
+              <a:rPr lang="en-GB" dirty="0" smtClean="0"/>
+              <a:t> </a:t>
+            </a:r>
+            <a:r>
+              <a:rPr lang="en-GB" dirty="0" err="1" smtClean="0"/>
+              <a:t>heraus</a:t>
+            </a:r>
+            <a:endParaRPr lang="en-GB" dirty="0" smtClean="0"/>
+          </a:p>
+          <a:p>
+            <a:r>
+              <a:rPr lang="en-GB" dirty="0" err="1" smtClean="0"/>
+              <a:t>Proportionalität</a:t>
+            </a:r>
+            <a:r>
+              <a:rPr lang="en-GB" dirty="0" smtClean="0"/>
+              <a:t> der </a:t>
+            </a:r>
+            <a:r>
+              <a:rPr lang="en-GB" dirty="0" err="1" smtClean="0"/>
+              <a:t>Brückenspannung</a:t>
+            </a:r>
+            <a:r>
+              <a:rPr lang="en-GB" dirty="0" smtClean="0"/>
+              <a:t> </a:t>
+            </a:r>
+            <a:r>
+              <a:rPr lang="en-GB" dirty="0" err="1" smtClean="0"/>
+              <a:t>zur</a:t>
+            </a:r>
+            <a:r>
+              <a:rPr lang="en-GB" dirty="0" smtClean="0"/>
+              <a:t> </a:t>
+            </a:r>
+            <a:r>
+              <a:rPr lang="en-GB" dirty="0" err="1" smtClean="0"/>
+              <a:t>Widerstandsänderung</a:t>
+            </a:r>
+            <a:r>
+              <a:rPr lang="en-GB" dirty="0" smtClean="0"/>
+              <a:t> </a:t>
+            </a:r>
+            <a:r>
+              <a:rPr lang="en-GB" dirty="0" err="1" smtClean="0"/>
+              <a:t>für</a:t>
+            </a:r>
+            <a:r>
+              <a:rPr lang="en-GB" dirty="0" smtClean="0"/>
+              <a:t> </a:t>
+            </a:r>
+            <a:r>
+              <a:rPr lang="en-GB" dirty="0" err="1" smtClean="0"/>
+              <a:t>relativ</a:t>
+            </a:r>
+            <a:r>
+              <a:rPr lang="en-GB" dirty="0" smtClean="0"/>
+              <a:t> </a:t>
+            </a:r>
+            <a:r>
+              <a:rPr lang="en-GB" dirty="0" err="1" smtClean="0"/>
+              <a:t>kleine</a:t>
+            </a:r>
+            <a:r>
+              <a:rPr lang="en-GB" dirty="0" smtClean="0"/>
+              <a:t> </a:t>
+            </a:r>
+            <a:r>
+              <a:rPr lang="en-GB" dirty="0" err="1" smtClean="0"/>
+              <a:t>Änderungen</a:t>
+            </a:r>
+            <a:endParaRPr lang="en-GB" dirty="0" smtClean="0"/>
+          </a:p>
+          <a:p>
+            <a:r>
+              <a:rPr lang="en-GB" dirty="0" err="1" smtClean="0"/>
+              <a:t>Maximale</a:t>
+            </a:r>
+            <a:r>
+              <a:rPr lang="en-GB" dirty="0" smtClean="0"/>
+              <a:t> </a:t>
+            </a:r>
+            <a:r>
+              <a:rPr lang="en-GB" dirty="0" err="1" smtClean="0"/>
+              <a:t>Empfindlichkeit</a:t>
+            </a:r>
+            <a:r>
+              <a:rPr lang="en-GB" dirty="0" smtClean="0"/>
+              <a:t> </a:t>
+            </a:r>
+            <a:r>
+              <a:rPr lang="en-GB" dirty="0" err="1" smtClean="0"/>
+              <a:t>bei</a:t>
+            </a:r>
+            <a:r>
+              <a:rPr lang="en-GB" dirty="0" smtClean="0"/>
+              <a:t> </a:t>
+            </a:r>
+            <a:r>
+              <a:rPr lang="en-GB" dirty="0" err="1" smtClean="0"/>
+              <a:t>einer</a:t>
+            </a:r>
+            <a:r>
+              <a:rPr lang="en-GB" dirty="0" smtClean="0"/>
+              <a:t> </a:t>
+            </a:r>
+            <a:r>
+              <a:rPr lang="en-GB" dirty="0" err="1" smtClean="0"/>
+              <a:t>symmetrischen</a:t>
+            </a:r>
+            <a:r>
+              <a:rPr lang="en-GB" dirty="0" smtClean="0"/>
+              <a:t> </a:t>
+            </a:r>
+            <a:r>
+              <a:rPr lang="en-GB" dirty="0" err="1" smtClean="0"/>
+              <a:t>Brücke</a:t>
+            </a:r>
+            <a:endParaRPr lang="en-GB" dirty="0" smtClean="0"/>
+          </a:p>
+          <a:p>
+            <a:r>
+              <a:rPr lang="en-GB" dirty="0" err="1" smtClean="0"/>
+              <a:t>Technisch</a:t>
+            </a:r>
+            <a:r>
+              <a:rPr lang="en-GB" dirty="0" smtClean="0"/>
+              <a:t> relevant </a:t>
+            </a:r>
+            <a:r>
+              <a:rPr lang="en-GB" dirty="0" err="1" smtClean="0"/>
+              <a:t>als</a:t>
+            </a:r>
+            <a:r>
+              <a:rPr lang="en-GB" dirty="0" smtClean="0"/>
+              <a:t> </a:t>
+            </a:r>
+            <a:r>
+              <a:rPr lang="en-GB" dirty="0" err="1" smtClean="0"/>
+              <a:t>z.B</a:t>
+            </a:r>
+            <a:r>
+              <a:rPr lang="en-GB" dirty="0" smtClean="0"/>
+              <a:t> </a:t>
+            </a:r>
+            <a:r>
+              <a:rPr lang="en-GB" dirty="0" err="1" smtClean="0"/>
+              <a:t>Widerstandsthermometer</a:t>
+            </a:r>
+            <a:r>
+              <a:rPr lang="en-GB" dirty="0" smtClean="0"/>
+              <a:t>, </a:t>
+            </a:r>
+            <a:r>
+              <a:rPr lang="en-GB" dirty="0" err="1" smtClean="0"/>
+              <a:t>Druckmessgerät</a:t>
+            </a:r>
+            <a:endParaRPr lang="en-GB" dirty="0" smtClean="0"/>
+          </a:p>
           <a:p>
             <a:endParaRPr lang="de-DE" dirty="0"/>
           </a:p>
         </p:txBody>
       </p:sp>
+    </p:spTree>
+    <p:extLst>
+      <p:ext uri="{BB962C8B-B14F-4D97-AF65-F5344CB8AC3E}">
+        <p14:creationId xmlns:p14="http://schemas.microsoft.com/office/powerpoint/2010/main" val="2551996948"/>
+      </p:ext>
+    </p:extLst>
+  </p:cSld>
+  <p:clrMapOvr>
+    <a:masterClrMapping/>
+  </p:clrMapOvr>
+  <p:timing>
+    <p:tnLst>
+      <p:par>
+        <p:cTn id="1" dur="indefinite" restart="never" nodeType="tmRoot"/>
+      </p:par>
+    </p:tnLst>
+  </p:timing>
+</p:sld>
+</file>
+
+<file path=ppt/slides/slide7.xml><?xml version="1.0" encoding="utf-8"?>
+<p:sld xmlns:a="http://schemas.openxmlformats.org/drawingml/2006/main" xmlns:r="http://schemas.openxmlformats.org/officeDocument/2006/relationships" xmlns:p="http://schemas.openxmlformats.org/presentationml/2006/main">
+  <p:cSld>
+    <p:spTree>
+      <p:nvGrpSpPr>
+        <p:cNvPr id="1" name=""/>
+        <p:cNvGrpSpPr/>
+        <p:nvPr/>
+      </p:nvGrpSpPr>
+      <p:grpSpPr>
+        <a:xfrm>
+          <a:off x="0" y="0"/>
+          <a:ext cx="0" cy="0"/>
+          <a:chOff x="0" y="0"/>
+          <a:chExt cx="0" cy="0"/>
+        </a:xfrm>
+      </p:grpSpPr>
+      <p:sp>
+        <p:nvSpPr>
+          <p:cNvPr id="2" name="Titel 1"/>
+          <p:cNvSpPr>
+            <a:spLocks noGrp="1"/>
+          </p:cNvSpPr>
+          <p:nvPr>
+            <p:ph type="title"/>
+          </p:nvPr>
+        </p:nvSpPr>
+        <p:spPr/>
+        <p:txBody>
+          <a:bodyPr/>
+          <a:lstStyle/>
+          <a:p>
+            <a:r>
+              <a:rPr lang="de-DE" dirty="0" smtClean="0"/>
+              <a:t>Abgleichverfahren</a:t>
+            </a:r>
+            <a:endParaRPr lang="de-DE" dirty="0"/>
+          </a:p>
+        </p:txBody>
+      </p:sp>
+      <p:sp>
+        <p:nvSpPr>
+          <p:cNvPr id="3" name="Inhaltsplatzhalter 2"/>
+          <p:cNvSpPr>
+            <a:spLocks noGrp="1"/>
+          </p:cNvSpPr>
+          <p:nvPr>
+            <p:ph idx="1"/>
+          </p:nvPr>
+        </p:nvSpPr>
+        <p:spPr/>
+        <p:txBody>
+          <a:bodyPr/>
+          <a:lstStyle/>
+          <a:p>
+            <a:r>
+              <a:rPr lang="de-DE" dirty="0" smtClean="0"/>
+              <a:t>Gleichheit des Verhältnisses der Einzelwiderstände der Spannungsteiler, falls Brücke abgeglichen</a:t>
+            </a:r>
+          </a:p>
+          <a:p>
+            <a:pPr>
+              <a:buFont typeface="Wingdings" panose="05000000000000000000" pitchFamily="2" charset="2"/>
+              <a:buChar char="è"/>
+            </a:pPr>
+            <a:r>
+              <a:rPr lang="de-DE" dirty="0" smtClean="0">
+                <a:sym typeface="Wingdings" panose="05000000000000000000" pitchFamily="2" charset="2"/>
+              </a:rPr>
+              <a:t>Berechnung des 4. Widerstands möglich, 	wenn die 3 anderen bekannt sind</a:t>
+            </a:r>
+            <a:r>
+              <a:rPr lang="de-DE" dirty="0" smtClean="0"/>
+              <a:t> </a:t>
+            </a:r>
+          </a:p>
+          <a:p>
+            <a:r>
+              <a:rPr lang="de-DE" dirty="0" smtClean="0"/>
+              <a:t>Technisch nichtmehr relevant (Ablösung durch digitale Messgeräte, relativ hoher Fehler bei Messung kleiner Widerstände)</a:t>
+            </a:r>
+            <a:endParaRPr lang="de-DE" dirty="0"/>
+          </a:p>
+        </p:txBody>
+      </p:sp>
+    </p:spTree>
+    <p:extLst>
+      <p:ext uri="{BB962C8B-B14F-4D97-AF65-F5344CB8AC3E}">
+        <p14:creationId xmlns:p14="http://schemas.microsoft.com/office/powerpoint/2010/main" val="4161512028"/>
+      </p:ext>
+    </p:extLst>
+  </p:cSld>
+  <p:clrMapOvr>
+    <a:masterClrMapping/>
+  </p:clrMapOvr>
+  <p:timing>
+    <p:tnLst>
+      <p:par>
+        <p:cTn id="1" dur="indefinite" restart="never" nodeType="tmRoot"/>
+      </p:par>
+    </p:tnLst>
+  </p:timing>
+</p:sld>
+</file>
+
+<file path=ppt/slides/slide8.xml><?xml version="1.0" encoding="utf-8"?>
+<p:sld xmlns:a="http://schemas.openxmlformats.org/drawingml/2006/main" xmlns:r="http://schemas.openxmlformats.org/officeDocument/2006/relationships" xmlns:p="http://schemas.openxmlformats.org/presentationml/2006/main">
+  <p:cSld>
+    <p:spTree>
+      <p:nvGrpSpPr>
+        <p:cNvPr id="1" name=""/>
+        <p:cNvGrpSpPr/>
+        <p:nvPr/>
+      </p:nvGrpSpPr>
+      <p:grpSpPr>
+        <a:xfrm>
+          <a:off x="0" y="0"/>
+          <a:ext cx="0" cy="0"/>
+          <a:chOff x="0" y="0"/>
+          <a:chExt cx="0" cy="0"/>
+        </a:xfrm>
+      </p:grpSpPr>
+      <p:sp>
+        <p:nvSpPr>
+          <p:cNvPr id="2" name="Titel 1"/>
+          <p:cNvSpPr>
+            <a:spLocks noGrp="1"/>
+          </p:cNvSpPr>
+          <p:nvPr>
+            <p:ph type="title"/>
+          </p:nvPr>
+        </p:nvSpPr>
+        <p:spPr/>
+        <p:txBody>
+          <a:bodyPr>
+            <a:normAutofit/>
+          </a:bodyPr>
+          <a:lstStyle/>
+          <a:p>
+            <a:r>
+              <a:rPr lang="de-DE" dirty="0" smtClean="0"/>
+              <a:t>Beispiel</a:t>
+            </a:r>
+            <a:endParaRPr lang="de-DE" dirty="0"/>
+          </a:p>
+        </p:txBody>
+      </p:sp>
+      <p:pic>
+        <p:nvPicPr>
+          <p:cNvPr id="4" name="Inhaltsplatzhalter 3"/>
+          <p:cNvPicPr>
+            <a:picLocks noGrp="1" noChangeAspect="1"/>
+          </p:cNvPicPr>
+          <p:nvPr>
+            <p:ph sz="half" idx="1"/>
+          </p:nvPr>
+        </p:nvPicPr>
+        <p:blipFill>
+          <a:blip r:embed="rId2">
+            <a:extLst>
+              <a:ext uri="{28A0092B-C50C-407E-A947-70E740481C1C}">
+                <a14:useLocalDpi xmlns:a14="http://schemas.microsoft.com/office/drawing/2010/main" val="0"/>
+              </a:ext>
+            </a:extLst>
+          </a:blip>
+          <a:stretch>
+            <a:fillRect/>
+          </a:stretch>
+        </p:blipFill>
+        <p:spPr>
+          <a:xfrm>
+            <a:off x="1162587" y="1218689"/>
+            <a:ext cx="6818826" cy="4442559"/>
+          </a:xfrm>
+        </p:spPr>
+      </p:pic>
+      <p:pic>
+        <p:nvPicPr>
+          <p:cNvPr id="10" name="Inhaltsplatzhalter 9"/>
+          <p:cNvPicPr>
+            <a:picLocks noGrp="1" noChangeAspect="1"/>
+          </p:cNvPicPr>
+          <p:nvPr>
+            <p:ph sz="half" idx="2"/>
+          </p:nvPr>
+        </p:nvPicPr>
+        <p:blipFill>
+          <a:blip r:embed="rId3" cstate="print">
+            <a:extLst>
+              <a:ext uri="{28A0092B-C50C-407E-A947-70E740481C1C}">
+                <a14:useLocalDpi xmlns:a14="http://schemas.microsoft.com/office/drawing/2010/main" val="0"/>
+              </a:ext>
+            </a:extLst>
+          </a:blip>
+          <a:stretch>
+            <a:fillRect/>
+          </a:stretch>
+        </p:blipFill>
+        <p:spPr>
+          <a:xfrm>
+            <a:off x="903290" y="5661248"/>
+            <a:ext cx="7337419" cy="791853"/>
+          </a:xfrm>
+        </p:spPr>
+      </p:pic>
     </p:spTree>
   </p:cSld>
   <p:clrMapOvr>
     <a:masterClrMapping/>
   </p:clrMapOvr>
+  <p:timing>
+    <p:tnLst>
+      <p:par>
+        <p:cTn id="1" dur="indefinite" restart="never" nodeType="tmRoot"/>
+      </p:par>
+    </p:tnLst>
+  </p:timing>
+</p:sld>
+</file>
+
+<file path=ppt/slides/slide9.xml><?xml version="1.0" encoding="utf-8"?>
+<p:sld xmlns:a="http://schemas.openxmlformats.org/drawingml/2006/main" xmlns:r="http://schemas.openxmlformats.org/officeDocument/2006/relationships" xmlns:p="http://schemas.openxmlformats.org/presentationml/2006/main">
+  <p:cSld>
+    <p:spTree>
+      <p:nvGrpSpPr>
+        <p:cNvPr id="1" name=""/>
+        <p:cNvGrpSpPr/>
+        <p:nvPr/>
+      </p:nvGrpSpPr>
+      <p:grpSpPr>
+        <a:xfrm>
+          <a:off x="0" y="0"/>
+          <a:ext cx="0" cy="0"/>
+          <a:chOff x="0" y="0"/>
+          <a:chExt cx="0" cy="0"/>
+        </a:xfrm>
+      </p:grpSpPr>
+      <p:sp>
+        <p:nvSpPr>
+          <p:cNvPr id="2" name="Titel 1"/>
+          <p:cNvSpPr>
+            <a:spLocks noGrp="1"/>
+          </p:cNvSpPr>
+          <p:nvPr>
+            <p:ph type="title"/>
+          </p:nvPr>
+        </p:nvSpPr>
+        <p:spPr/>
+        <p:txBody>
+          <a:bodyPr/>
+          <a:lstStyle/>
+          <a:p>
+            <a:r>
+              <a:rPr lang="de-DE" dirty="0" smtClean="0"/>
+              <a:t>Fragen </a:t>
+            </a:r>
+            <a:endParaRPr lang="de-DE" dirty="0"/>
+          </a:p>
+        </p:txBody>
+      </p:sp>
+      <p:sp>
+        <p:nvSpPr>
+          <p:cNvPr id="5" name="Inhaltsplatzhalter 4"/>
+          <p:cNvSpPr>
+            <a:spLocks noGrp="1"/>
+          </p:cNvSpPr>
+          <p:nvPr>
+            <p:ph idx="1"/>
+          </p:nvPr>
+        </p:nvSpPr>
+        <p:spPr/>
+        <p:txBody>
+          <a:bodyPr/>
+          <a:lstStyle/>
+          <a:p>
+            <a:pPr marL="0" indent="0">
+              <a:buNone/>
+            </a:pPr>
+            <a:r>
+              <a:rPr lang="de-DE" dirty="0" smtClean="0"/>
+              <a:t>„</a:t>
+            </a:r>
+            <a:r>
+              <a:rPr lang="de-DE" i="1" dirty="0" smtClean="0"/>
+              <a:t>Wenn du eine weise Antwort verlangst, musst du vernünftig fragen.“</a:t>
+            </a:r>
+            <a:r>
+              <a:rPr lang="de-DE" dirty="0" smtClean="0"/>
+              <a:t> </a:t>
+            </a:r>
+          </a:p>
+          <a:p>
+            <a:pPr marL="0" indent="0">
+              <a:buNone/>
+            </a:pPr>
+            <a:r>
+              <a:rPr lang="de-DE" dirty="0" smtClean="0"/>
+              <a:t>– Johann-Wolfgang von Goethe</a:t>
+            </a:r>
+            <a:endParaRPr lang="de-DE" dirty="0"/>
+          </a:p>
+        </p:txBody>
+      </p:sp>
+    </p:spTree>
+    <p:extLst>
+      <p:ext uri="{BB962C8B-B14F-4D97-AF65-F5344CB8AC3E}">
+        <p14:creationId xmlns:p14="http://schemas.microsoft.com/office/powerpoint/2010/main" val="2927114819"/>
+      </p:ext>
+    </p:extLst>
+  </p:cSld>
+  <p:clrMapOvr>
+    <a:masterClrMapping/>
+  </p:clrMapOvr>
+  <p:timing>
+    <p:tnLst>
+      <p:par>
+        <p:cTn id="1" dur="indefinite" restart="never" nodeType="tmRoot"/>
+      </p:par>
+    </p:tnLst>
+  </p:timing>
 </p:sld>
 </file>
 
